--- a/Week-6/GoodCodeOptimizationProblemSolving.pptx
+++ b/Week-6/GoodCodeOptimizationProblemSolving.pptx
@@ -5,7 +5,7 @@
     <p:sldMasterId id="2147483798" r:id="rId1"/>
   </p:sldMasterIdLst>
   <p:notesMasterIdLst>
-    <p:notesMasterId r:id="rId14"/>
+    <p:notesMasterId r:id="rId15"/>
   </p:notesMasterIdLst>
   <p:sldIdLst>
     <p:sldId id="256" r:id="rId2"/>
@@ -15,11 +15,12 @@
     <p:sldId id="274" r:id="rId6"/>
     <p:sldId id="276" r:id="rId7"/>
     <p:sldId id="286" r:id="rId8"/>
-    <p:sldId id="287" r:id="rId9"/>
-    <p:sldId id="288" r:id="rId10"/>
-    <p:sldId id="289" r:id="rId11"/>
-    <p:sldId id="291" r:id="rId12"/>
-    <p:sldId id="292" r:id="rId13"/>
+    <p:sldId id="293" r:id="rId9"/>
+    <p:sldId id="287" r:id="rId10"/>
+    <p:sldId id="288" r:id="rId11"/>
+    <p:sldId id="289" r:id="rId12"/>
+    <p:sldId id="291" r:id="rId13"/>
+    <p:sldId id="292" r:id="rId14"/>
   </p:sldIdLst>
   <p:sldSz cx="12192000" cy="6858000"/>
   <p:notesSz cx="6858000" cy="9144000"/>
@@ -3972,6 +3973,114 @@
           <a:p>
             <a:r>
               <a:rPr lang="en-US" dirty="0"/>
+              <a:t>What is profiling?</a:t>
+            </a:r>
+          </a:p>
+        </p:txBody>
+      </p:sp>
+      <p:sp>
+        <p:nvSpPr>
+          <p:cNvPr id="4" name="Content Placeholder 3">
+            <a:extLst>
+              <a:ext uri="{FF2B5EF4-FFF2-40B4-BE49-F238E27FC236}">
+                <a16:creationId xmlns:a16="http://schemas.microsoft.com/office/drawing/2014/main" id="{5E44501F-F714-6140-B12D-1BAE50529F23}"/>
+              </a:ext>
+            </a:extLst>
+          </p:cNvPr>
+          <p:cNvSpPr>
+            <a:spLocks noGrp="1"/>
+          </p:cNvSpPr>
+          <p:nvPr>
+            <p:ph sz="half" idx="1"/>
+          </p:nvPr>
+        </p:nvSpPr>
+        <p:spPr>
+          <a:xfrm>
+            <a:off x="838200" y="1825625"/>
+            <a:ext cx="10122408" cy="4351338"/>
+          </a:xfrm>
+        </p:spPr>
+        <p:txBody>
+          <a:bodyPr/>
+          <a:lstStyle/>
+          <a:p>
+            <a:r>
+              <a:rPr lang="en-US" dirty="0"/>
+              <a:t>Method of determining which parts of your code are utilizing the most resources</a:t>
+            </a:r>
+          </a:p>
+          <a:p>
+            <a:r>
+              <a:rPr lang="en-US" dirty="0"/>
+              <a:t>Can help you identify performance bottlenecks</a:t>
+            </a:r>
+          </a:p>
+          <a:p>
+            <a:r>
+              <a:rPr lang="en-US" dirty="0"/>
+              <a:t>This is where you should seek to optimize</a:t>
+            </a:r>
+          </a:p>
+        </p:txBody>
+      </p:sp>
+    </p:spTree>
+    <p:extLst>
+      <p:ext uri="{BB962C8B-B14F-4D97-AF65-F5344CB8AC3E}">
+        <p14:creationId xmlns:p14="http://schemas.microsoft.com/office/powerpoint/2010/main" val="2913893942"/>
+      </p:ext>
+    </p:extLst>
+  </p:cSld>
+  <p:clrMapOvr>
+    <a:masterClrMapping/>
+  </p:clrMapOvr>
+</p:sld>
+</file>
+
+<file path=ppt/slides/slide11.xml><?xml version="1.0" encoding="utf-8"?>
+<p:sld xmlns:a="http://schemas.openxmlformats.org/drawingml/2006/main" xmlns:r="http://schemas.openxmlformats.org/officeDocument/2006/relationships" xmlns:p="http://schemas.openxmlformats.org/presentationml/2006/main">
+  <p:cSld>
+    <p:spTree>
+      <p:nvGrpSpPr>
+        <p:cNvPr id="1" name=""/>
+        <p:cNvGrpSpPr/>
+        <p:nvPr/>
+      </p:nvGrpSpPr>
+      <p:grpSpPr>
+        <a:xfrm>
+          <a:off x="0" y="0"/>
+          <a:ext cx="0" cy="0"/>
+          <a:chOff x="0" y="0"/>
+          <a:chExt cx="0" cy="0"/>
+        </a:xfrm>
+      </p:grpSpPr>
+      <p:sp>
+        <p:nvSpPr>
+          <p:cNvPr id="2" name="Title 1">
+            <a:extLst>
+              <a:ext uri="{FF2B5EF4-FFF2-40B4-BE49-F238E27FC236}">
+                <a16:creationId xmlns:a16="http://schemas.microsoft.com/office/drawing/2014/main" id="{EEA32796-CB65-4733-911F-F8017DBFFC29}"/>
+              </a:ext>
+            </a:extLst>
+          </p:cNvPr>
+          <p:cNvSpPr>
+            <a:spLocks noGrp="1"/>
+          </p:cNvSpPr>
+          <p:nvPr>
+            <p:ph type="title"/>
+          </p:nvPr>
+        </p:nvSpPr>
+        <p:spPr>
+          <a:xfrm>
+            <a:off x="838200" y="346684"/>
+            <a:ext cx="10515600" cy="1325563"/>
+          </a:xfrm>
+        </p:spPr>
+        <p:txBody>
+          <a:bodyPr/>
+          <a:lstStyle/>
+          <a:p>
+            <a:r>
+              <a:rPr lang="en-US" dirty="0"/>
               <a:t>Real-World Practice Problem #1</a:t>
             </a:r>
           </a:p>
@@ -4053,7 +4162,7 @@
 </p:sld>
 </file>
 
-<file path=ppt/slides/slide11.xml><?xml version="1.0" encoding="utf-8"?>
+<file path=ppt/slides/slide12.xml><?xml version="1.0" encoding="utf-8"?>
 <p:sld xmlns:a="http://schemas.openxmlformats.org/drawingml/2006/main" xmlns:r="http://schemas.openxmlformats.org/officeDocument/2006/relationships" xmlns:p="http://schemas.openxmlformats.org/presentationml/2006/main">
   <p:cSld>
     <p:spTree>
@@ -4221,7 +4330,7 @@
 </p:sld>
 </file>
 
-<file path=ppt/slides/slide12.xml><?xml version="1.0" encoding="utf-8"?>
+<file path=ppt/slides/slide13.xml><?xml version="1.0" encoding="utf-8"?>
 <p:sld xmlns:a="http://schemas.openxmlformats.org/drawingml/2006/main" xmlns:r="http://schemas.openxmlformats.org/officeDocument/2006/relationships" xmlns:p="http://schemas.openxmlformats.org/presentationml/2006/main">
   <p:cSld>
     <p:spTree>
@@ -5651,7 +5760,7 @@
           <a:p>
             <a:r>
               <a:rPr lang="en-US" dirty="0"/>
-              <a:t>A Note Regarding Optimization</a:t>
+              <a:t>In-Place Manipulation</a:t>
             </a:r>
           </a:p>
         </p:txBody>
@@ -5675,55 +5784,26 @@
         <p:spPr>
           <a:xfrm>
             <a:off x="838200" y="1825625"/>
-            <a:ext cx="10122408" cy="4351338"/>
+            <a:ext cx="10122408" cy="856615"/>
           </a:xfrm>
         </p:spPr>
         <p:txBody>
-          <a:bodyPr/>
+          <a:bodyPr>
+            <a:normAutofit lnSpcReduction="10000"/>
+          </a:bodyPr>
           <a:lstStyle/>
           <a:p>
             <a:r>
               <a:rPr lang="en-US" dirty="0"/>
-              <a:t>Don’t worry about in CS 31</a:t>
-            </a:r>
-          </a:p>
-          <a:p>
-            <a:r>
-              <a:rPr lang="en-US" dirty="0"/>
-              <a:t>In general, don’t worry about it too much unless it’s a problem</a:t>
-            </a:r>
-          </a:p>
-          <a:p>
-            <a:pPr lvl="1"/>
-            <a:r>
-              <a:rPr lang="en-US" dirty="0"/>
-              <a:t>E.g. something is taking too long, using too much memory, etc.</a:t>
-            </a:r>
-          </a:p>
-          <a:p>
-            <a:r>
-              <a:rPr lang="en-US" dirty="0"/>
-              <a:t>That being said, optimizing as you go is good because you can avoid the problem of going back as long as possible</a:t>
-            </a:r>
-          </a:p>
-          <a:p>
-            <a:endParaRPr lang="en-US" dirty="0"/>
-          </a:p>
-          <a:p>
-            <a:r>
-              <a:rPr lang="en-US" dirty="0"/>
-              <a:t>DO NOT attempt to optimize without profiling</a:t>
-            </a:r>
-          </a:p>
-          <a:p>
-            <a:endParaRPr lang="en-US" dirty="0"/>
+              <a:t>Doing things like string reversals, or list rotating can be done in-place and utilize much less memory when doing so</a:t>
+            </a:r>
           </a:p>
         </p:txBody>
       </p:sp>
     </p:spTree>
     <p:extLst>
       <p:ext uri="{BB962C8B-B14F-4D97-AF65-F5344CB8AC3E}">
-        <p14:creationId xmlns:p14="http://schemas.microsoft.com/office/powerpoint/2010/main" val="2907880899"/>
+        <p14:creationId xmlns:p14="http://schemas.microsoft.com/office/powerpoint/2010/main" val="193296646"/>
       </p:ext>
     </p:extLst>
   </p:cSld>
@@ -5778,7 +5858,7 @@
           <a:p>
             <a:r>
               <a:rPr lang="en-US" dirty="0"/>
-              <a:t>What is profiling?</a:t>
+              <a:t>A Note Regarding Optimization</a:t>
             </a:r>
           </a:p>
         </p:txBody>
@@ -5811,27 +5891,46 @@
           <a:p>
             <a:r>
               <a:rPr lang="en-US" dirty="0"/>
-              <a:t>Method of determining which parts of your code are utilizing the most resources</a:t>
+              <a:t>Don’t worry about in CS 31</a:t>
             </a:r>
           </a:p>
           <a:p>
             <a:r>
               <a:rPr lang="en-US" dirty="0"/>
-              <a:t>Can help you identify performance bottlenecks</a:t>
-            </a:r>
-          </a:p>
-          <a:p>
+              <a:t>In general, don’t worry about it too much unless it’s a problem</a:t>
+            </a:r>
+          </a:p>
+          <a:p>
+            <a:pPr lvl="1"/>
             <a:r>
               <a:rPr lang="en-US" dirty="0"/>
-              <a:t>This is where you should seek to optimize</a:t>
-            </a:r>
+              <a:t>E.g. something is taking too long, using too much memory, etc.</a:t>
+            </a:r>
+          </a:p>
+          <a:p>
+            <a:r>
+              <a:rPr lang="en-US" dirty="0"/>
+              <a:t>That being said, optimizing as you go is good because you can avoid the problem of going back as long as possible</a:t>
+            </a:r>
+          </a:p>
+          <a:p>
+            <a:endParaRPr lang="en-US" dirty="0"/>
+          </a:p>
+          <a:p>
+            <a:r>
+              <a:rPr lang="en-US" dirty="0"/>
+              <a:t>DO NOT attempt to optimize without profiling</a:t>
+            </a:r>
+          </a:p>
+          <a:p>
+            <a:endParaRPr lang="en-US" dirty="0"/>
           </a:p>
         </p:txBody>
       </p:sp>
     </p:spTree>
     <p:extLst>
       <p:ext uri="{BB962C8B-B14F-4D97-AF65-F5344CB8AC3E}">
-        <p14:creationId xmlns:p14="http://schemas.microsoft.com/office/powerpoint/2010/main" val="2913893942"/>
+        <p14:creationId xmlns:p14="http://schemas.microsoft.com/office/powerpoint/2010/main" val="2907880899"/>
       </p:ext>
     </p:extLst>
   </p:cSld>
